--- a/CNF Application Presentation_Isabella.pptx
+++ b/CNF Application Presentation_Isabella.pptx
@@ -202,7 +202,7 @@
           <a:p>
             <a:fld id="{5504F367-A6E1-4243-8CAC-82DB051ABC03}" type="datetimeFigureOut">
               <a:rPr lang="en-US" smtClean="0"/>
-              <a:t>6/28/2016</a:t>
+              <a:t>6/30/2016</a:t>
             </a:fld>
             <a:endParaRPr lang="en-US"/>
           </a:p>
@@ -971,7 +971,7 @@
           <a:p>
             <a:fld id="{00D1391C-B34E-47CC-9382-B29D8904AD3C}" type="datetimeFigureOut">
               <a:rPr lang="en-US" smtClean="0"/>
-              <a:t>6/28/2016</a:t>
+              <a:t>6/30/2016</a:t>
             </a:fld>
             <a:endParaRPr lang="en-US"/>
           </a:p>
@@ -1267,7 +1267,7 @@
           <a:p>
             <a:fld id="{00D1391C-B34E-47CC-9382-B29D8904AD3C}" type="datetimeFigureOut">
               <a:rPr lang="en-US" smtClean="0"/>
-              <a:t>6/28/2016</a:t>
+              <a:t>6/30/2016</a:t>
             </a:fld>
             <a:endParaRPr lang="en-US"/>
           </a:p>
@@ -1515,7 +1515,7 @@
           <a:p>
             <a:fld id="{00D1391C-B34E-47CC-9382-B29D8904AD3C}" type="datetimeFigureOut">
               <a:rPr lang="en-US" smtClean="0"/>
-              <a:t>6/28/2016</a:t>
+              <a:t>6/30/2016</a:t>
             </a:fld>
             <a:endParaRPr lang="en-US"/>
           </a:p>
@@ -2055,7 +2055,7 @@
           <a:p>
             <a:fld id="{00D1391C-B34E-47CC-9382-B29D8904AD3C}" type="datetimeFigureOut">
               <a:rPr lang="en-US" smtClean="0"/>
-              <a:t>6/28/2016</a:t>
+              <a:t>6/30/2016</a:t>
             </a:fld>
             <a:endParaRPr lang="en-US"/>
           </a:p>
@@ -2303,7 +2303,7 @@
           <a:p>
             <a:fld id="{00D1391C-B34E-47CC-9382-B29D8904AD3C}" type="datetimeFigureOut">
               <a:rPr lang="en-US" smtClean="0"/>
-              <a:t>6/28/2016</a:t>
+              <a:t>6/30/2016</a:t>
             </a:fld>
             <a:endParaRPr lang="en-US"/>
           </a:p>
@@ -2835,7 +2835,7 @@
           <a:p>
             <a:fld id="{00D1391C-B34E-47CC-9382-B29D8904AD3C}" type="datetimeFigureOut">
               <a:rPr lang="en-US" smtClean="0"/>
-              <a:t>6/28/2016</a:t>
+              <a:t>6/30/2016</a:t>
             </a:fld>
             <a:endParaRPr lang="en-US"/>
           </a:p>
@@ -3132,7 +3132,7 @@
           <a:p>
             <a:fld id="{00D1391C-B34E-47CC-9382-B29D8904AD3C}" type="datetimeFigureOut">
               <a:rPr lang="en-US" smtClean="0"/>
-              <a:t>6/28/2016</a:t>
+              <a:t>6/30/2016</a:t>
             </a:fld>
             <a:endParaRPr lang="en-US"/>
           </a:p>
@@ -3306,7 +3306,7 @@
           <a:p>
             <a:fld id="{00D1391C-B34E-47CC-9382-B29D8904AD3C}" type="datetimeFigureOut">
               <a:rPr lang="en-US" smtClean="0"/>
-              <a:t>6/28/2016</a:t>
+              <a:t>6/30/2016</a:t>
             </a:fld>
             <a:endParaRPr lang="en-US"/>
           </a:p>
@@ -3486,7 +3486,7 @@
           <a:p>
             <a:fld id="{00D1391C-B34E-47CC-9382-B29D8904AD3C}" type="datetimeFigureOut">
               <a:rPr lang="en-US" smtClean="0"/>
-              <a:t>6/28/2016</a:t>
+              <a:t>6/30/2016</a:t>
             </a:fld>
             <a:endParaRPr lang="en-US"/>
           </a:p>
@@ -3656,7 +3656,7 @@
           <a:p>
             <a:fld id="{00D1391C-B34E-47CC-9382-B29D8904AD3C}" type="datetimeFigureOut">
               <a:rPr lang="en-US" smtClean="0"/>
-              <a:t>6/28/2016</a:t>
+              <a:t>6/30/2016</a:t>
             </a:fld>
             <a:endParaRPr lang="en-US"/>
           </a:p>
@@ -3907,7 +3907,7 @@
           <a:p>
             <a:fld id="{00D1391C-B34E-47CC-9382-B29D8904AD3C}" type="datetimeFigureOut">
               <a:rPr lang="en-US" smtClean="0"/>
-              <a:t>6/28/2016</a:t>
+              <a:t>6/30/2016</a:t>
             </a:fld>
             <a:endParaRPr lang="en-US"/>
           </a:p>
@@ -4204,7 +4204,7 @@
           <a:p>
             <a:fld id="{00D1391C-B34E-47CC-9382-B29D8904AD3C}" type="datetimeFigureOut">
               <a:rPr lang="en-US" smtClean="0"/>
-              <a:t>6/28/2016</a:t>
+              <a:t>6/30/2016</a:t>
             </a:fld>
             <a:endParaRPr lang="en-US"/>
           </a:p>
@@ -4646,7 +4646,7 @@
           <a:p>
             <a:fld id="{00D1391C-B34E-47CC-9382-B29D8904AD3C}" type="datetimeFigureOut">
               <a:rPr lang="en-US" smtClean="0"/>
-              <a:t>6/28/2016</a:t>
+              <a:t>6/30/2016</a:t>
             </a:fld>
             <a:endParaRPr lang="en-US"/>
           </a:p>
@@ -4764,7 +4764,7 @@
           <a:p>
             <a:fld id="{00D1391C-B34E-47CC-9382-B29D8904AD3C}" type="datetimeFigureOut">
               <a:rPr lang="en-US" smtClean="0"/>
-              <a:t>6/28/2016</a:t>
+              <a:t>6/30/2016</a:t>
             </a:fld>
             <a:endParaRPr lang="en-US"/>
           </a:p>
@@ -4859,7 +4859,7 @@
           <a:p>
             <a:fld id="{00D1391C-B34E-47CC-9382-B29D8904AD3C}" type="datetimeFigureOut">
               <a:rPr lang="en-US" smtClean="0"/>
-              <a:t>6/28/2016</a:t>
+              <a:t>6/30/2016</a:t>
             </a:fld>
             <a:endParaRPr lang="en-US"/>
           </a:p>
@@ -5315,7 +5315,7 @@
           <a:p>
             <a:fld id="{00D1391C-B34E-47CC-9382-B29D8904AD3C}" type="datetimeFigureOut">
               <a:rPr lang="en-US" smtClean="0"/>
-              <a:t>6/28/2016</a:t>
+              <a:t>6/30/2016</a:t>
             </a:fld>
             <a:endParaRPr lang="en-US"/>
           </a:p>
@@ -5606,7 +5606,7 @@
           <a:p>
             <a:fld id="{00D1391C-B34E-47CC-9382-B29D8904AD3C}" type="datetimeFigureOut">
               <a:rPr lang="en-US" smtClean="0"/>
-              <a:t>6/28/2016</a:t>
+              <a:t>6/30/2016</a:t>
             </a:fld>
             <a:endParaRPr lang="en-US"/>
           </a:p>
@@ -6136,7 +6136,7 @@
           <a:p>
             <a:fld id="{00D1391C-B34E-47CC-9382-B29D8904AD3C}" type="datetimeFigureOut">
               <a:rPr lang="en-US" smtClean="0"/>
-              <a:t>6/28/2016</a:t>
+              <a:t>6/30/2016</a:t>
             </a:fld>
             <a:endParaRPr lang="en-US"/>
           </a:p>
@@ -7354,32 +7354,8 @@
         </p:blipFill>
         <p:spPr>
           <a:xfrm>
-            <a:off x="2283402" y="4682253"/>
+            <a:off x="1651590" y="3967734"/>
             <a:ext cx="2371725" cy="1924050"/>
-          </a:xfrm>
-          <a:prstGeom prst="rect">
-            <a:avLst/>
-          </a:prstGeom>
-        </p:spPr>
-      </p:pic>
-      <p:pic>
-        <p:nvPicPr>
-          <p:cNvPr id="9" name="Picture 8"/>
-          <p:cNvPicPr>
-            <a:picLocks noChangeAspect="1"/>
-          </p:cNvPicPr>
-          <p:nvPr/>
-        </p:nvPicPr>
-        <p:blipFill>
-          <a:blip r:embed="rId5"/>
-          <a:stretch>
-            <a:fillRect/>
-          </a:stretch>
-        </p:blipFill>
-        <p:spPr>
-          <a:xfrm>
-            <a:off x="5237767" y="4682252"/>
-            <a:ext cx="2039725" cy="1937739"/>
           </a:xfrm>
           <a:prstGeom prst="rect">
             <a:avLst/>
@@ -7681,7 +7657,7 @@
             </a:pPr>
             <a:r>
               <a:rPr lang="en-US" dirty="0"/>
-              <a:t>What it does is sparks a little friendly competition between you and a CPU or you and your peers, while team building and making an average day at work into an extraordinary one!</a:t>
+              <a:t>What it does is sparks a little friendly competition between you and a CPU or with you and your peers, while team building and making an average day at work into an extraordinary one!</a:t>
             </a:r>
           </a:p>
           <a:p>
@@ -7712,7 +7688,7 @@
         </p:blipFill>
         <p:spPr>
           <a:xfrm>
-            <a:off x="1041074" y="1757156"/>
+            <a:off x="1041074" y="1926838"/>
             <a:ext cx="4391700" cy="3599577"/>
           </a:xfrm>
           <a:prstGeom prst="rect">
@@ -7809,7 +7785,7 @@
             <a:p>
               <a:r>
                 <a:rPr lang="en-US" dirty="0"/>
-                <a:t>[Application Name] </a:t>
+                <a:t>CNF Tech. Tac Toe </a:t>
               </a:r>
             </a:p>
           </p:txBody>
@@ -7966,7 +7942,7 @@
         <p:spPr>
           <a:xfrm>
             <a:off x="4655127" y="2927927"/>
-            <a:ext cx="6105237" cy="1477328"/>
+            <a:ext cx="6105237" cy="1200329"/>
           </a:xfrm>
           <a:prstGeom prst="rect">
             <a:avLst/>
@@ -7985,7 +7961,7 @@
             </a:pPr>
             <a:r>
               <a:rPr lang="en-US" dirty="0"/>
-              <a:t>Explain why you think someone should choose your application</a:t>
+              <a:t>Someone should choose this tic tac toe game over any other because everything on my application will be customizable and will be an online multiplayer.</a:t>
             </a:r>
           </a:p>
           <a:p>
@@ -7993,16 +7969,82 @@
               <a:buFont typeface="Arial" panose="020B0604020202020204" pitchFamily="34" charset="0"/>
               <a:buChar char="•"/>
             </a:pPr>
-            <a:r>
-              <a:rPr lang="en-US" dirty="0"/>
-              <a:t>Sometimes you can list a competing app to illustrate what yours does in comparison </a:t>
-            </a:r>
-          </a:p>
-          <a:p>
             <a:endParaRPr lang="en-US" dirty="0"/>
           </a:p>
         </p:txBody>
       </p:sp>
+      <p:pic>
+        <p:nvPicPr>
+          <p:cNvPr id="10" name="Picture 9"/>
+          <p:cNvPicPr>
+            <a:picLocks noChangeAspect="1"/>
+          </p:cNvPicPr>
+          <p:nvPr/>
+        </p:nvPicPr>
+        <p:blipFill>
+          <a:blip r:embed="rId3"/>
+          <a:stretch>
+            <a:fillRect/>
+          </a:stretch>
+        </p:blipFill>
+        <p:spPr>
+          <a:xfrm>
+            <a:off x="4822257" y="4437472"/>
+            <a:ext cx="1762125" cy="1866900"/>
+          </a:xfrm>
+          <a:prstGeom prst="rect">
+            <a:avLst/>
+          </a:prstGeom>
+        </p:spPr>
+      </p:pic>
+      <p:pic>
+        <p:nvPicPr>
+          <p:cNvPr id="7" name="Picture 6"/>
+          <p:cNvPicPr>
+            <a:picLocks noChangeAspect="1"/>
+          </p:cNvPicPr>
+          <p:nvPr/>
+        </p:nvPicPr>
+        <p:blipFill>
+          <a:blip r:embed="rId4"/>
+          <a:stretch>
+            <a:fillRect/>
+          </a:stretch>
+        </p:blipFill>
+        <p:spPr>
+          <a:xfrm>
+            <a:off x="3236924" y="4453882"/>
+            <a:ext cx="1850490" cy="1850490"/>
+          </a:xfrm>
+          <a:prstGeom prst="rect">
+            <a:avLst/>
+          </a:prstGeom>
+        </p:spPr>
+      </p:pic>
+      <p:pic>
+        <p:nvPicPr>
+          <p:cNvPr id="11" name="Picture 10"/>
+          <p:cNvPicPr>
+            <a:picLocks noChangeAspect="1"/>
+          </p:cNvPicPr>
+          <p:nvPr/>
+        </p:nvPicPr>
+        <p:blipFill>
+          <a:blip r:embed="rId5"/>
+          <a:stretch>
+            <a:fillRect/>
+          </a:stretch>
+        </p:blipFill>
+        <p:spPr>
+          <a:xfrm>
+            <a:off x="6446487" y="4413622"/>
+            <a:ext cx="2320441" cy="1904695"/>
+          </a:xfrm>
+          <a:prstGeom prst="rect">
+            <a:avLst/>
+          </a:prstGeom>
+        </p:spPr>
+      </p:pic>
     </p:spTree>
     <p:extLst>
       <p:ext uri="{BB962C8B-B14F-4D97-AF65-F5344CB8AC3E}">
@@ -8041,7 +8083,7 @@
         </p:nvGrpSpPr>
         <p:grpSpPr>
           <a:xfrm>
-            <a:off x="1651591" y="389764"/>
+            <a:off x="1727006" y="427472"/>
             <a:ext cx="3170666" cy="1367392"/>
             <a:chOff x="1503310" y="2004381"/>
             <a:chExt cx="2998381" cy="1367392"/>
@@ -8092,7 +8134,7 @@
             <a:p>
               <a:r>
                 <a:rPr lang="en-US" dirty="0"/>
-                <a:t>[Application Name] </a:t>
+                <a:t>CNF Tech. Tac Toe</a:t>
               </a:r>
             </a:p>
           </p:txBody>
